--- a/embed_systems/ristmik/Esitlus.pptx
+++ b/embed_systems/ristmik/Esitlus.pptx
@@ -512,7 +512,7 @@
   <p:cSld>
     <p:spTree>
       <p:nvGrpSpPr>
-        <p:cNvPr id="38" name="Shape 38"/>
+        <p:cNvPr id="39" name="Shape 39"/>
         <p:cNvGrpSpPr/>
         <p:nvPr/>
       </p:nvGrpSpPr>
@@ -526,7 +526,7 @@
       </p:grpSpPr>
       <p:sp>
         <p:nvSpPr>
-          <p:cNvPr id="39" name="Shape 39"/>
+          <p:cNvPr id="40" name="Shape 40"/>
           <p:cNvSpPr/>
           <p:nvPr>
             <p:ph idx="2" type="sldImg"/>
@@ -560,7 +560,7 @@
       </p:sp>
       <p:sp>
         <p:nvSpPr>
-          <p:cNvPr id="40" name="Shape 40"/>
+          <p:cNvPr id="41" name="Shape 41"/>
           <p:cNvSpPr txBox="1"/>
           <p:nvPr>
             <p:ph idx="1" type="body"/>
@@ -596,7 +596,7 @@
   <p:cSld>
     <p:spTree>
       <p:nvGrpSpPr>
-        <p:cNvPr id="44" name="Shape 44"/>
+        <p:cNvPr id="45" name="Shape 45"/>
         <p:cNvGrpSpPr/>
         <p:nvPr/>
       </p:nvGrpSpPr>
@@ -610,7 +610,7 @@
       </p:grpSpPr>
       <p:sp>
         <p:nvSpPr>
-          <p:cNvPr id="45" name="Shape 45"/>
+          <p:cNvPr id="46" name="Shape 46"/>
           <p:cNvSpPr/>
           <p:nvPr>
             <p:ph idx="2" type="sldImg"/>
@@ -644,7 +644,7 @@
       </p:sp>
       <p:sp>
         <p:nvSpPr>
-          <p:cNvPr id="46" name="Shape 46"/>
+          <p:cNvPr id="47" name="Shape 47"/>
           <p:cNvSpPr txBox="1"/>
           <p:nvPr>
             <p:ph idx="1" type="body"/>
@@ -680,7 +680,7 @@
   <p:cSld>
     <p:spTree>
       <p:nvGrpSpPr>
-        <p:cNvPr id="50" name="Shape 50"/>
+        <p:cNvPr id="51" name="Shape 51"/>
         <p:cNvGrpSpPr/>
         <p:nvPr/>
       </p:nvGrpSpPr>
@@ -694,7 +694,7 @@
       </p:grpSpPr>
       <p:sp>
         <p:nvSpPr>
-          <p:cNvPr id="51" name="Shape 51"/>
+          <p:cNvPr id="52" name="Shape 52"/>
           <p:cNvSpPr/>
           <p:nvPr>
             <p:ph idx="2" type="sldImg"/>
@@ -728,7 +728,7 @@
       </p:sp>
       <p:sp>
         <p:nvSpPr>
-          <p:cNvPr id="52" name="Shape 52"/>
+          <p:cNvPr id="53" name="Shape 53"/>
           <p:cNvSpPr txBox="1"/>
           <p:nvPr>
             <p:ph idx="1" type="body"/>
@@ -764,7 +764,7 @@
   <p:cSld>
     <p:spTree>
       <p:nvGrpSpPr>
-        <p:cNvPr id="56" name="Shape 56"/>
+        <p:cNvPr id="57" name="Shape 57"/>
         <p:cNvGrpSpPr/>
         <p:nvPr/>
       </p:nvGrpSpPr>
@@ -778,7 +778,7 @@
       </p:grpSpPr>
       <p:sp>
         <p:nvSpPr>
-          <p:cNvPr id="57" name="Shape 57"/>
+          <p:cNvPr id="58" name="Shape 58"/>
           <p:cNvSpPr/>
           <p:nvPr>
             <p:ph idx="2" type="sldImg"/>
@@ -812,7 +812,7 @@
       </p:sp>
       <p:sp>
         <p:nvSpPr>
-          <p:cNvPr id="58" name="Shape 58"/>
+          <p:cNvPr id="59" name="Shape 59"/>
           <p:cNvSpPr txBox="1"/>
           <p:nvPr>
             <p:ph idx="1" type="body"/>
@@ -2622,7 +2622,7 @@
             </a:pPr>
             <a:r>
               <a:rPr lang="en"/>
-              <a:t>Ajatabel</a:t>
+              <a:t>Ajatabel &amp; foor</a:t>
             </a:r>
           </a:p>
         </p:txBody>
@@ -2687,6 +2687,28 @@
           </a:prstGeom>
         </p:spPr>
       </p:pic>
+      <p:pic>
+        <p:nvPicPr>
+          <p:cNvPr id="38" name="Shape 38"/>
+          <p:cNvPicPr preferRelativeResize="0"/>
+          <p:nvPr/>
+        </p:nvPicPr>
+        <p:blipFill>
+          <a:blip r:embed="rId4"/>
+          <a:stretch>
+            <a:fillRect/>
+          </a:stretch>
+        </p:blipFill>
+        <p:spPr>
+          <a:xfrm>
+            <a:off y="876250" x="5243848"/>
+            <a:ext cy="4049600" cx="3545202"/>
+          </a:xfrm>
+          <a:prstGeom prst="rect">
+            <a:avLst/>
+          </a:prstGeom>
+        </p:spPr>
+      </p:pic>
     </p:spTree>
   </p:cSld>
   <p:clrMapOvr>
@@ -2703,7 +2725,7 @@
   <p:cSld>
     <p:spTree>
       <p:nvGrpSpPr>
-        <p:cNvPr id="41" name="Shape 41"/>
+        <p:cNvPr id="42" name="Shape 42"/>
         <p:cNvGrpSpPr/>
         <p:nvPr/>
       </p:nvGrpSpPr>
@@ -2717,7 +2739,7 @@
       </p:grpSpPr>
       <p:sp>
         <p:nvSpPr>
-          <p:cNvPr id="42" name="Shape 42"/>
+          <p:cNvPr id="43" name="Shape 43"/>
           <p:cNvSpPr txBox="1"/>
           <p:nvPr>
             <p:ph type="title"/>
@@ -2750,7 +2772,7 @@
       </p:sp>
       <p:sp>
         <p:nvSpPr>
-          <p:cNvPr id="43" name="Shape 43"/>
+          <p:cNvPr id="44" name="Shape 44"/>
           <p:cNvSpPr txBox="1"/>
           <p:nvPr>
             <p:ph idx="1" type="body"/>
@@ -2781,7 +2803,7 @@
             </a:pPr>
             <a:r>
               <a:rPr lang="en"/>
-              <a:t>Scheduler &amp; Round robin</a:t>
+              <a:t>Scheduler &amp; Round robin &amp; Time delay</a:t>
             </a:r>
           </a:p>
           <a:p>
@@ -2807,7 +2829,7 @@
   <p:cSld>
     <p:spTree>
       <p:nvGrpSpPr>
-        <p:cNvPr id="47" name="Shape 47"/>
+        <p:cNvPr id="48" name="Shape 48"/>
         <p:cNvGrpSpPr/>
         <p:nvPr/>
       </p:nvGrpSpPr>
@@ -2821,7 +2843,7 @@
       </p:grpSpPr>
       <p:sp>
         <p:nvSpPr>
-          <p:cNvPr id="48" name="Shape 48"/>
+          <p:cNvPr id="49" name="Shape 49"/>
           <p:cNvSpPr txBox="1"/>
           <p:nvPr>
             <p:ph type="title"/>
@@ -2854,7 +2876,7 @@
       </p:sp>
       <p:sp>
         <p:nvSpPr>
-          <p:cNvPr id="49" name="Shape 49"/>
+          <p:cNvPr id="50" name="Shape 50"/>
           <p:cNvSpPr txBox="1"/>
           <p:nvPr>
             <p:ph idx="1" type="body"/>
@@ -2928,7 +2950,7 @@
   <p:cSld>
     <p:spTree>
       <p:nvGrpSpPr>
-        <p:cNvPr id="53" name="Shape 53"/>
+        <p:cNvPr id="54" name="Shape 54"/>
         <p:cNvGrpSpPr/>
         <p:nvPr/>
       </p:nvGrpSpPr>
@@ -2942,7 +2964,7 @@
       </p:grpSpPr>
       <p:sp>
         <p:nvSpPr>
-          <p:cNvPr id="54" name="Shape 54"/>
+          <p:cNvPr id="55" name="Shape 55"/>
           <p:cNvSpPr txBox="1"/>
           <p:nvPr>
             <p:ph type="title"/>
@@ -2979,7 +3001,7 @@
       </p:sp>
       <p:sp>
         <p:nvSpPr>
-          <p:cNvPr id="55" name="Shape 55"/>
+          <p:cNvPr id="56" name="Shape 56"/>
           <p:cNvSpPr txBox="1"/>
           <p:nvPr>
             <p:ph idx="1" type="body"/>
@@ -3148,283 +3170,6 @@
 </file>
 
 <file path=ppt/theme/theme1.xml><?xml version="1.0" encoding="utf-8"?>
-<a:theme xmlns:a="http://schemas.openxmlformats.org/drawingml/2006/main" xmlns:r="http://schemas.openxmlformats.org/officeDocument/2006/relationships" name="simple-light">
-  <a:themeElements>
-    <a:clrScheme name="Custom 347">
-      <a:dk1>
-        <a:srgbClr val="000000"/>
-      </a:dk1>
-      <a:lt1>
-        <a:srgbClr val="FFFFFF"/>
-      </a:lt1>
-      <a:dk2>
-        <a:srgbClr val="666666"/>
-      </a:dk2>
-      <a:lt2>
-        <a:srgbClr val="CCCCCC"/>
-      </a:lt2>
-      <a:accent1>
-        <a:srgbClr val="3A81BA"/>
-      </a:accent1>
-      <a:accent2>
-        <a:srgbClr val="D89F39"/>
-      </a:accent2>
-      <a:accent3>
-        <a:srgbClr val="8BAB42"/>
-      </a:accent3>
-      <a:accent4>
-        <a:srgbClr val="57A7B5"/>
-      </a:accent4>
-      <a:accent5>
-        <a:srgbClr val="8B81D2"/>
-      </a:accent5>
-      <a:accent6>
-        <a:srgbClr val="963334"/>
-      </a:accent6>
-      <a:hlink>
-        <a:srgbClr val="1155CC"/>
-      </a:hlink>
-      <a:folHlink>
-        <a:srgbClr val="6611CC"/>
-      </a:folHlink>
-    </a:clrScheme>
-    <a:fontScheme name="Office">
-      <a:majorFont>
-        <a:latin typeface="Arial"/>
-        <a:ea typeface=""/>
-        <a:cs typeface=""/>
-        <a:font typeface="ＭＳ Ｐゴシック" script="Jpan"/>
-        <a:font typeface="맑은 고딕" script="Hang"/>
-        <a:font typeface="宋体" script="Hans"/>
-        <a:font typeface="新細明體" script="Hant"/>
-        <a:font typeface="Times New Roman" script="Arab"/>
-        <a:font typeface="Times New Roman" script="Hebr"/>
-        <a:font typeface="Angsana New" script="Thai"/>
-        <a:font typeface="Nyala" script="Ethi"/>
-        <a:font typeface="Vrinda" script="Beng"/>
-        <a:font typeface="Shruti" script="Gujr"/>
-        <a:font typeface="MoolBoran" script="Khmr"/>
-        <a:font typeface="Tunga" script="Knda"/>
-        <a:font typeface="Raavi" script="Guru"/>
-        <a:font typeface="Euphemia" script="Cans"/>
-        <a:font typeface="Plantagenet Cherokee" script="Cher"/>
-        <a:font typeface="Microsoft Yi Baiti" script="Yiii"/>
-        <a:font typeface="Microsoft Himalaya" script="Tibt"/>
-        <a:font typeface="MV Boli" script="Thaa"/>
-        <a:font typeface="Mangal" script="Deva"/>
-        <a:font typeface="Gautami" script="Telu"/>
-        <a:font typeface="Latha" script="Taml"/>
-        <a:font typeface="Estrangelo Edessa" script="Syrc"/>
-        <a:font typeface="Kalinga" script="Orya"/>
-        <a:font typeface="Kartika" script="Mlym"/>
-        <a:font typeface="DokChampa" script="Laoo"/>
-        <a:font typeface="Iskoola Pota" script="Sinh"/>
-        <a:font typeface="Mongolian Baiti" script="Mong"/>
-        <a:font typeface="Times New Roman" script="Viet"/>
-        <a:font typeface="Microsoft Uighur" script="Uigh"/>
-      </a:majorFont>
-      <a:minorFont>
-        <a:latin typeface="Arial"/>
-        <a:ea typeface=""/>
-        <a:cs typeface=""/>
-        <a:font typeface="ＭＳ Ｐゴシック" script="Jpan"/>
-        <a:font typeface="맑은 고딕" script="Hang"/>
-        <a:font typeface="宋体" script="Hans"/>
-        <a:font typeface="新細明體" script="Hant"/>
-        <a:font typeface="Arial" script="Arab"/>
-        <a:font typeface="Arial" script="Hebr"/>
-        <a:font typeface="Cordia New" script="Thai"/>
-        <a:font typeface="Nyala" script="Ethi"/>
-        <a:font typeface="Vrinda" script="Beng"/>
-        <a:font typeface="Shruti" script="Gujr"/>
-        <a:font typeface="DaunPenh" script="Khmr"/>
-        <a:font typeface="Tunga" script="Knda"/>
-        <a:font typeface="Raavi" script="Guru"/>
-        <a:font typeface="Euphemia" script="Cans"/>
-        <a:font typeface="Plantagenet Cherokee" script="Cher"/>
-        <a:font typeface="Microsoft Yi Baiti" script="Yiii"/>
-        <a:font typeface="Microsoft Himalaya" script="Tibt"/>
-        <a:font typeface="MV Boli" script="Thaa"/>
-        <a:font typeface="Mangal" script="Deva"/>
-        <a:font typeface="Gautami" script="Telu"/>
-        <a:font typeface="Latha" script="Taml"/>
-        <a:font typeface="Estrangelo Edessa" script="Syrc"/>
-        <a:font typeface="Kalinga" script="Orya"/>
-        <a:font typeface="Kartika" script="Mlym"/>
-        <a:font typeface="DokChampa" script="Laoo"/>
-        <a:font typeface="Iskoola Pota" script="Sinh"/>
-        <a:font typeface="Mongolian Baiti" script="Mong"/>
-        <a:font typeface="Arial" script="Viet"/>
-        <a:font typeface="Microsoft Uighur" script="Uigh"/>
-      </a:minorFont>
-    </a:fontScheme>
-    <a:fmtScheme name="Office">
-      <a:fillStyleLst>
-        <a:solidFill>
-          <a:schemeClr val="phClr"/>
-        </a:solidFill>
-        <a:gradFill rotWithShape="1">
-          <a:gsLst>
-            <a:gs pos="0">
-              <a:schemeClr val="phClr">
-                <a:tint val="50000"/>
-                <a:satMod val="300000"/>
-              </a:schemeClr>
-            </a:gs>
-            <a:gs pos="35000">
-              <a:schemeClr val="phClr">
-                <a:tint val="37000"/>
-                <a:satMod val="300000"/>
-              </a:schemeClr>
-            </a:gs>
-            <a:gs pos="100000">
-              <a:schemeClr val="phClr">
-                <a:tint val="15000"/>
-                <a:satMod val="350000"/>
-              </a:schemeClr>
-            </a:gs>
-          </a:gsLst>
-          <a:lin ang="16200000" scaled="1"/>
-        </a:gradFill>
-        <a:gradFill rotWithShape="1">
-          <a:gsLst>
-            <a:gs pos="0">
-              <a:schemeClr val="phClr">
-                <a:tint val="100000"/>
-                <a:shade val="100000"/>
-                <a:satMod val="130000"/>
-              </a:schemeClr>
-            </a:gs>
-            <a:gs pos="100000">
-              <a:schemeClr val="phClr">
-                <a:tint val="50000"/>
-                <a:shade val="100000"/>
-                <a:satMod val="350000"/>
-              </a:schemeClr>
-            </a:gs>
-          </a:gsLst>
-          <a:lin ang="16200000" scaled="0"/>
-        </a:gradFill>
-      </a:fillStyleLst>
-      <a:lnStyleLst>
-        <a:ln w="9525" algn="ctr" cap="flat" cmpd="sng">
-          <a:solidFill>
-            <a:schemeClr val="phClr">
-              <a:shade val="95000"/>
-              <a:satMod val="105000"/>
-            </a:schemeClr>
-          </a:solidFill>
-          <a:prstDash val="solid"/>
-        </a:ln>
-        <a:ln w="25400" algn="ctr" cap="flat" cmpd="sng">
-          <a:solidFill>
-            <a:schemeClr val="phClr"/>
-          </a:solidFill>
-          <a:prstDash val="solid"/>
-        </a:ln>
-        <a:ln w="38100" algn="ctr" cap="flat" cmpd="sng">
-          <a:solidFill>
-            <a:schemeClr val="phClr"/>
-          </a:solidFill>
-          <a:prstDash val="solid"/>
-        </a:ln>
-      </a:lnStyleLst>
-      <a:effectStyleLst>
-        <a:effectStyle>
-          <a:effectLst>
-            <a:outerShdw rotWithShape="0" dir="5400000" blurRad="40000" dist="20000">
-              <a:srgbClr val="000000">
-                <a:alpha val="38000"/>
-              </a:srgbClr>
-            </a:outerShdw>
-          </a:effectLst>
-        </a:effectStyle>
-        <a:effectStyle>
-          <a:effectLst>
-            <a:outerShdw rotWithShape="0" dir="5400000" blurRad="40000" dist="23000">
-              <a:srgbClr val="000000">
-                <a:alpha val="35000"/>
-              </a:srgbClr>
-            </a:outerShdw>
-          </a:effectLst>
-        </a:effectStyle>
-        <a:effectStyle>
-          <a:effectLst>
-            <a:outerShdw rotWithShape="0" dir="5400000" blurRad="40000" dist="23000">
-              <a:srgbClr val="000000">
-                <a:alpha val="35000"/>
-              </a:srgbClr>
-            </a:outerShdw>
-          </a:effectLst>
-          <a:scene3d>
-            <a:camera prst="orthographicFront">
-              <a:rot rev="0" lon="0" lat="0"/>
-            </a:camera>
-            <a:lightRig dir="t" rig="threePt">
-              <a:rot rev="1200000" lon="0" lat="0"/>
-            </a:lightRig>
-          </a:scene3d>
-          <a:sp3d>
-            <a:bevelT w="63500" h="25400"/>
-          </a:sp3d>
-        </a:effectStyle>
-      </a:effectStyleLst>
-      <a:bgFillStyleLst>
-        <a:solidFill>
-          <a:schemeClr val="phClr"/>
-        </a:solidFill>
-        <a:gradFill rotWithShape="1">
-          <a:gsLst>
-            <a:gs pos="0">
-              <a:schemeClr val="phClr">
-                <a:tint val="40000"/>
-                <a:satMod val="350000"/>
-              </a:schemeClr>
-            </a:gs>
-            <a:gs pos="40000">
-              <a:schemeClr val="phClr">
-                <a:tint val="45000"/>
-                <a:shade val="99000"/>
-                <a:satMod val="350000"/>
-              </a:schemeClr>
-            </a:gs>
-            <a:gs pos="100000">
-              <a:schemeClr val="phClr">
-                <a:shade val="20000"/>
-                <a:satMod val="255000"/>
-              </a:schemeClr>
-            </a:gs>
-          </a:gsLst>
-          <a:path path="circle">
-            <a:fillToRect t="-80000" b="180000" r="50000" l="50000"/>
-          </a:path>
-        </a:gradFill>
-        <a:gradFill rotWithShape="1">
-          <a:gsLst>
-            <a:gs pos="0">
-              <a:schemeClr val="phClr">
-                <a:tint val="80000"/>
-                <a:satMod val="300000"/>
-              </a:schemeClr>
-            </a:gs>
-            <a:gs pos="100000">
-              <a:schemeClr val="phClr">
-                <a:shade val="30000"/>
-                <a:satMod val="200000"/>
-              </a:schemeClr>
-            </a:gs>
-          </a:gsLst>
-          <a:path path="circle">
-            <a:fillToRect t="50000" b="50000" r="50000" l="50000"/>
-          </a:path>
-        </a:gradFill>
-      </a:bgFillStyleLst>
-    </a:fmtScheme>
-  </a:themeElements>
-</a:theme>
-</file>
-
-<file path=ppt/theme/theme2.xml><?xml version="1.0" encoding="utf-8"?>
 <a:theme xmlns:a="http://schemas.openxmlformats.org/drawingml/2006/main" xmlns:r="http://schemas.openxmlformats.org/officeDocument/2006/relationships" name="Custom Theme">
   <a:themeElements>
     <a:clrScheme name="Default">
@@ -3701,7 +3446,7 @@
 </a:theme>
 </file>
 
-<file path=ppt/theme/theme3.xml><?xml version="1.0" encoding="utf-8"?>
+<file path=ppt/theme/theme2.xml><?xml version="1.0" encoding="utf-8"?>
 <a:theme xmlns:a="http://schemas.openxmlformats.org/drawingml/2006/main" xmlns:r="http://schemas.openxmlformats.org/officeDocument/2006/relationships" name="Office Theme">
   <a:themeElements>
     <a:clrScheme name="Office">
@@ -4017,4 +3762,281 @@
   </a:objectDefaults>
   <a:extraClrSchemeLst/>
 </a:theme>
+</file>
+
+<file path=ppt/theme/theme3.xml><?xml version="1.0" encoding="utf-8"?>
+<a:theme xmlns:a="http://schemas.openxmlformats.org/drawingml/2006/main" xmlns:r="http://schemas.openxmlformats.org/officeDocument/2006/relationships" name="simple-light">
+  <a:themeElements>
+    <a:clrScheme name="Custom 347">
+      <a:dk1>
+        <a:srgbClr val="000000"/>
+      </a:dk1>
+      <a:lt1>
+        <a:srgbClr val="FFFFFF"/>
+      </a:lt1>
+      <a:dk2>
+        <a:srgbClr val="666666"/>
+      </a:dk2>
+      <a:lt2>
+        <a:srgbClr val="CCCCCC"/>
+      </a:lt2>
+      <a:accent1>
+        <a:srgbClr val="3A81BA"/>
+      </a:accent1>
+      <a:accent2>
+        <a:srgbClr val="D89F39"/>
+      </a:accent2>
+      <a:accent3>
+        <a:srgbClr val="8BAB42"/>
+      </a:accent3>
+      <a:accent4>
+        <a:srgbClr val="57A7B5"/>
+      </a:accent4>
+      <a:accent5>
+        <a:srgbClr val="8B81D2"/>
+      </a:accent5>
+      <a:accent6>
+        <a:srgbClr val="963334"/>
+      </a:accent6>
+      <a:hlink>
+        <a:srgbClr val="1155CC"/>
+      </a:hlink>
+      <a:folHlink>
+        <a:srgbClr val="6611CC"/>
+      </a:folHlink>
+    </a:clrScheme>
+    <a:fontScheme name="Office">
+      <a:majorFont>
+        <a:latin typeface="Arial"/>
+        <a:ea typeface=""/>
+        <a:cs typeface=""/>
+        <a:font typeface="ＭＳ Ｐゴシック" script="Jpan"/>
+        <a:font typeface="맑은 고딕" script="Hang"/>
+        <a:font typeface="宋体" script="Hans"/>
+        <a:font typeface="新細明體" script="Hant"/>
+        <a:font typeface="Times New Roman" script="Arab"/>
+        <a:font typeface="Times New Roman" script="Hebr"/>
+        <a:font typeface="Angsana New" script="Thai"/>
+        <a:font typeface="Nyala" script="Ethi"/>
+        <a:font typeface="Vrinda" script="Beng"/>
+        <a:font typeface="Shruti" script="Gujr"/>
+        <a:font typeface="MoolBoran" script="Khmr"/>
+        <a:font typeface="Tunga" script="Knda"/>
+        <a:font typeface="Raavi" script="Guru"/>
+        <a:font typeface="Euphemia" script="Cans"/>
+        <a:font typeface="Plantagenet Cherokee" script="Cher"/>
+        <a:font typeface="Microsoft Yi Baiti" script="Yiii"/>
+        <a:font typeface="Microsoft Himalaya" script="Tibt"/>
+        <a:font typeface="MV Boli" script="Thaa"/>
+        <a:font typeface="Mangal" script="Deva"/>
+        <a:font typeface="Gautami" script="Telu"/>
+        <a:font typeface="Latha" script="Taml"/>
+        <a:font typeface="Estrangelo Edessa" script="Syrc"/>
+        <a:font typeface="Kalinga" script="Orya"/>
+        <a:font typeface="Kartika" script="Mlym"/>
+        <a:font typeface="DokChampa" script="Laoo"/>
+        <a:font typeface="Iskoola Pota" script="Sinh"/>
+        <a:font typeface="Mongolian Baiti" script="Mong"/>
+        <a:font typeface="Times New Roman" script="Viet"/>
+        <a:font typeface="Microsoft Uighur" script="Uigh"/>
+      </a:majorFont>
+      <a:minorFont>
+        <a:latin typeface="Arial"/>
+        <a:ea typeface=""/>
+        <a:cs typeface=""/>
+        <a:font typeface="ＭＳ Ｐゴシック" script="Jpan"/>
+        <a:font typeface="맑은 고딕" script="Hang"/>
+        <a:font typeface="宋体" script="Hans"/>
+        <a:font typeface="新細明體" script="Hant"/>
+        <a:font typeface="Arial" script="Arab"/>
+        <a:font typeface="Arial" script="Hebr"/>
+        <a:font typeface="Cordia New" script="Thai"/>
+        <a:font typeface="Nyala" script="Ethi"/>
+        <a:font typeface="Vrinda" script="Beng"/>
+        <a:font typeface="Shruti" script="Gujr"/>
+        <a:font typeface="DaunPenh" script="Khmr"/>
+        <a:font typeface="Tunga" script="Knda"/>
+        <a:font typeface="Raavi" script="Guru"/>
+        <a:font typeface="Euphemia" script="Cans"/>
+        <a:font typeface="Plantagenet Cherokee" script="Cher"/>
+        <a:font typeface="Microsoft Yi Baiti" script="Yiii"/>
+        <a:font typeface="Microsoft Himalaya" script="Tibt"/>
+        <a:font typeface="MV Boli" script="Thaa"/>
+        <a:font typeface="Mangal" script="Deva"/>
+        <a:font typeface="Gautami" script="Telu"/>
+        <a:font typeface="Latha" script="Taml"/>
+        <a:font typeface="Estrangelo Edessa" script="Syrc"/>
+        <a:font typeface="Kalinga" script="Orya"/>
+        <a:font typeface="Kartika" script="Mlym"/>
+        <a:font typeface="DokChampa" script="Laoo"/>
+        <a:font typeface="Iskoola Pota" script="Sinh"/>
+        <a:font typeface="Mongolian Baiti" script="Mong"/>
+        <a:font typeface="Arial" script="Viet"/>
+        <a:font typeface="Microsoft Uighur" script="Uigh"/>
+      </a:minorFont>
+    </a:fontScheme>
+    <a:fmtScheme name="Office">
+      <a:fillStyleLst>
+        <a:solidFill>
+          <a:schemeClr val="phClr"/>
+        </a:solidFill>
+        <a:gradFill rotWithShape="1">
+          <a:gsLst>
+            <a:gs pos="0">
+              <a:schemeClr val="phClr">
+                <a:tint val="50000"/>
+                <a:satMod val="300000"/>
+              </a:schemeClr>
+            </a:gs>
+            <a:gs pos="35000">
+              <a:schemeClr val="phClr">
+                <a:tint val="37000"/>
+                <a:satMod val="300000"/>
+              </a:schemeClr>
+            </a:gs>
+            <a:gs pos="100000">
+              <a:schemeClr val="phClr">
+                <a:tint val="15000"/>
+                <a:satMod val="350000"/>
+              </a:schemeClr>
+            </a:gs>
+          </a:gsLst>
+          <a:lin ang="16200000" scaled="1"/>
+        </a:gradFill>
+        <a:gradFill rotWithShape="1">
+          <a:gsLst>
+            <a:gs pos="0">
+              <a:schemeClr val="phClr">
+                <a:tint val="100000"/>
+                <a:shade val="100000"/>
+                <a:satMod val="130000"/>
+              </a:schemeClr>
+            </a:gs>
+            <a:gs pos="100000">
+              <a:schemeClr val="phClr">
+                <a:tint val="50000"/>
+                <a:shade val="100000"/>
+                <a:satMod val="350000"/>
+              </a:schemeClr>
+            </a:gs>
+          </a:gsLst>
+          <a:lin ang="16200000" scaled="0"/>
+        </a:gradFill>
+      </a:fillStyleLst>
+      <a:lnStyleLst>
+        <a:ln w="9525" algn="ctr" cap="flat" cmpd="sng">
+          <a:solidFill>
+            <a:schemeClr val="phClr">
+              <a:shade val="95000"/>
+              <a:satMod val="105000"/>
+            </a:schemeClr>
+          </a:solidFill>
+          <a:prstDash val="solid"/>
+        </a:ln>
+        <a:ln w="25400" algn="ctr" cap="flat" cmpd="sng">
+          <a:solidFill>
+            <a:schemeClr val="phClr"/>
+          </a:solidFill>
+          <a:prstDash val="solid"/>
+        </a:ln>
+        <a:ln w="38100" algn="ctr" cap="flat" cmpd="sng">
+          <a:solidFill>
+            <a:schemeClr val="phClr"/>
+          </a:solidFill>
+          <a:prstDash val="solid"/>
+        </a:ln>
+      </a:lnStyleLst>
+      <a:effectStyleLst>
+        <a:effectStyle>
+          <a:effectLst>
+            <a:outerShdw rotWithShape="0" dir="5400000" blurRad="40000" dist="20000">
+              <a:srgbClr val="000000">
+                <a:alpha val="38000"/>
+              </a:srgbClr>
+            </a:outerShdw>
+          </a:effectLst>
+        </a:effectStyle>
+        <a:effectStyle>
+          <a:effectLst>
+            <a:outerShdw rotWithShape="0" dir="5400000" blurRad="40000" dist="23000">
+              <a:srgbClr val="000000">
+                <a:alpha val="35000"/>
+              </a:srgbClr>
+            </a:outerShdw>
+          </a:effectLst>
+        </a:effectStyle>
+        <a:effectStyle>
+          <a:effectLst>
+            <a:outerShdw rotWithShape="0" dir="5400000" blurRad="40000" dist="23000">
+              <a:srgbClr val="000000">
+                <a:alpha val="35000"/>
+              </a:srgbClr>
+            </a:outerShdw>
+          </a:effectLst>
+          <a:scene3d>
+            <a:camera prst="orthographicFront">
+              <a:rot rev="0" lon="0" lat="0"/>
+            </a:camera>
+            <a:lightRig dir="t" rig="threePt">
+              <a:rot rev="1200000" lon="0" lat="0"/>
+            </a:lightRig>
+          </a:scene3d>
+          <a:sp3d>
+            <a:bevelT w="63500" h="25400"/>
+          </a:sp3d>
+        </a:effectStyle>
+      </a:effectStyleLst>
+      <a:bgFillStyleLst>
+        <a:solidFill>
+          <a:schemeClr val="phClr"/>
+        </a:solidFill>
+        <a:gradFill rotWithShape="1">
+          <a:gsLst>
+            <a:gs pos="0">
+              <a:schemeClr val="phClr">
+                <a:tint val="40000"/>
+                <a:satMod val="350000"/>
+              </a:schemeClr>
+            </a:gs>
+            <a:gs pos="40000">
+              <a:schemeClr val="phClr">
+                <a:tint val="45000"/>
+                <a:shade val="99000"/>
+                <a:satMod val="350000"/>
+              </a:schemeClr>
+            </a:gs>
+            <a:gs pos="100000">
+              <a:schemeClr val="phClr">
+                <a:shade val="20000"/>
+                <a:satMod val="255000"/>
+              </a:schemeClr>
+            </a:gs>
+          </a:gsLst>
+          <a:path path="circle">
+            <a:fillToRect t="-80000" b="180000" r="50000" l="50000"/>
+          </a:path>
+        </a:gradFill>
+        <a:gradFill rotWithShape="1">
+          <a:gsLst>
+            <a:gs pos="0">
+              <a:schemeClr val="phClr">
+                <a:tint val="80000"/>
+                <a:satMod val="300000"/>
+              </a:schemeClr>
+            </a:gs>
+            <a:gs pos="100000">
+              <a:schemeClr val="phClr">
+                <a:shade val="30000"/>
+                <a:satMod val="200000"/>
+              </a:schemeClr>
+            </a:gs>
+          </a:gsLst>
+          <a:path path="circle">
+            <a:fillToRect t="50000" b="50000" r="50000" l="50000"/>
+          </a:path>
+        </a:gradFill>
+      </a:bgFillStyleLst>
+    </a:fmtScheme>
+  </a:themeElements>
+</a:theme>
 </file>